--- a/Analyzing-Signals-And-Transfer-Functions.pptx
+++ b/Analyzing-Signals-And-Transfer-Functions.pptx
@@ -5565,13 +5565,17 @@
         </p:nvSpPr>
         <p:spPr>
           <a:xfrm>
-            <a:off x="374712" y="1696251"/>
-            <a:ext cx="2803973" cy="1200329"/>
+            <a:off x="565136" y="1731863"/>
+            <a:ext cx="1951175" cy="1015663"/>
           </a:xfrm>
           <a:prstGeom prst="rect">
             <a:avLst/>
           </a:prstGeom>
-          <a:noFill/>
+          <a:solidFill>
+            <a:schemeClr val="bg1">
+              <a:lumMod val="95000"/>
+            </a:schemeClr>
+          </a:solidFill>
         </p:spPr>
         <p:txBody>
           <a:bodyPr wrap="none" rtlCol="0">
@@ -5580,24 +5584,24 @@
           <a:lstStyle/>
           <a:p>
             <a:r>
-              <a:rPr lang="en-US" dirty="0">
+              <a:rPr lang="en-US" sz="1200" dirty="0">
                 <a:latin typeface="Courier New" panose="02070309020205020404" pitchFamily="49" charset="0"/>
                 <a:cs typeface="Courier New" panose="02070309020205020404" pitchFamily="49" charset="0"/>
               </a:rPr>
               <a:t>J1: S1</a:t>
             </a:r>
             <a:r>
-              <a:rPr lang="en-US" dirty="0">
+              <a:rPr lang="en-US" sz="1200" dirty="0">
                 <a:latin typeface="Courier New" panose="02070309020205020404" pitchFamily="49" charset="0"/>
                 <a:cs typeface="Courier New" panose="02070309020205020404" pitchFamily="49" charset="0"/>
                 <a:sym typeface="Wingdings" pitchFamily="2" charset="2"/>
               </a:rPr>
-              <a:t> S2; k1*S1</a:t>
+              <a:t> -&gt; S2; k1*S1</a:t>
             </a:r>
           </a:p>
           <a:p>
             <a:r>
-              <a:rPr lang="en-US" dirty="0">
+              <a:rPr lang="en-US" sz="1200" dirty="0">
                 <a:latin typeface="Courier New" panose="02070309020205020404" pitchFamily="49" charset="0"/>
                 <a:cs typeface="Courier New" panose="02070309020205020404" pitchFamily="49" charset="0"/>
                 <a:sym typeface="Wingdings" pitchFamily="2" charset="2"/>
@@ -5606,8 +5610,15 @@
             </a:r>
           </a:p>
           <a:p>
+            <a:endParaRPr lang="en-US" sz="1200" dirty="0">
+              <a:latin typeface="Courier New" panose="02070309020205020404" pitchFamily="49" charset="0"/>
+              <a:cs typeface="Courier New" panose="02070309020205020404" pitchFamily="49" charset="0"/>
+              <a:sym typeface="Wingdings" pitchFamily="2" charset="2"/>
+            </a:endParaRPr>
+          </a:p>
+          <a:p>
             <a:r>
-              <a:rPr lang="en-US" dirty="0">
+              <a:rPr lang="en-US" sz="1200" dirty="0">
                 <a:latin typeface="Courier New" panose="02070309020205020404" pitchFamily="49" charset="0"/>
                 <a:cs typeface="Courier New" panose="02070309020205020404" pitchFamily="49" charset="0"/>
                 <a:sym typeface="Wingdings" pitchFamily="2" charset="2"/>
@@ -5617,7 +5628,7 @@
           </a:p>
           <a:p>
             <a:r>
-              <a:rPr lang="en-US" dirty="0">
+              <a:rPr lang="en-US" sz="1200" dirty="0">
                 <a:latin typeface="Courier New" panose="02070309020205020404" pitchFamily="49" charset="0"/>
                 <a:cs typeface="Courier New" panose="02070309020205020404" pitchFamily="49" charset="0"/>
               </a:rPr>
@@ -6314,8 +6325,8 @@
           </mc:Fallback>
         </mc:AlternateContent>
       </p:grpSp>
-      <mc:AlternateContent xmlns:mc="http://schemas.openxmlformats.org/markup-compatibility/2006">
-        <mc:Choice xmlns:a14="http://schemas.microsoft.com/office/drawing/2010/main" Requires="a14">
+      <mc:AlternateContent xmlns:mc="http://schemas.openxmlformats.org/markup-compatibility/2006" xmlns:a14="http://schemas.microsoft.com/office/drawing/2010/main">
+        <mc:Choice Requires="a14">
           <p:sp>
             <p:nvSpPr>
               <p:cNvPr id="21" name="TextBox 20">
@@ -6344,6 +6355,7 @@
               </a:bodyPr>
               <a:lstStyle/>
               <a:p>
+                <a:pPr/>
                 <a14:m>
                   <m:oMathPara xmlns:m="http://schemas.openxmlformats.org/officeDocument/2006/math">
                     <m:oMathParaPr>
@@ -6451,7 +6463,7 @@
             </p:txBody>
           </p:sp>
         </mc:Choice>
-        <mc:Fallback>
+        <mc:Fallback xmlns="">
           <p:sp>
             <p:nvSpPr>
               <p:cNvPr id="21" name="TextBox 20">
@@ -6531,8 +6543,8 @@
           </a:p>
         </p:txBody>
       </p:sp>
-      <mc:AlternateContent xmlns:mc="http://schemas.openxmlformats.org/markup-compatibility/2006">
-        <mc:Choice xmlns:a14="http://schemas.microsoft.com/office/drawing/2010/main" Requires="a14">
+      <mc:AlternateContent xmlns:mc="http://schemas.openxmlformats.org/markup-compatibility/2006" xmlns:a14="http://schemas.microsoft.com/office/drawing/2010/main">
+        <mc:Choice Requires="a14">
           <p:sp>
             <p:nvSpPr>
               <p:cNvPr id="35" name="TextBox 34">
@@ -6561,6 +6573,7 @@
               </a:bodyPr>
               <a:lstStyle/>
               <a:p>
+                <a:pPr/>
                 <a14:m>
                   <m:oMathPara xmlns:m="http://schemas.openxmlformats.org/officeDocument/2006/math">
                     <m:oMathParaPr>
@@ -6724,7 +6737,7 @@
             </p:txBody>
           </p:sp>
         </mc:Choice>
-        <mc:Fallback>
+        <mc:Fallback xmlns="">
           <p:sp>
             <p:nvSpPr>
               <p:cNvPr id="35" name="TextBox 34">
@@ -6769,8 +6782,8 @@
           </p:sp>
         </mc:Fallback>
       </mc:AlternateContent>
-      <mc:AlternateContent xmlns:mc="http://schemas.openxmlformats.org/markup-compatibility/2006">
-        <mc:Choice xmlns:a14="http://schemas.microsoft.com/office/drawing/2010/main" Requires="a14">
+      <mc:AlternateContent xmlns:mc="http://schemas.openxmlformats.org/markup-compatibility/2006" xmlns:a14="http://schemas.microsoft.com/office/drawing/2010/main">
+        <mc:Choice Requires="a14">
           <p:sp>
             <p:nvSpPr>
               <p:cNvPr id="36" name="TextBox 35">
@@ -6799,6 +6812,7 @@
               </a:bodyPr>
               <a:lstStyle/>
               <a:p>
+                <a:pPr/>
                 <a14:m>
                   <m:oMathPara xmlns:m="http://schemas.openxmlformats.org/officeDocument/2006/math">
                     <m:oMathParaPr>
@@ -6906,7 +6920,7 @@
             </p:txBody>
           </p:sp>
         </mc:Choice>
-        <mc:Fallback>
+        <mc:Fallback xmlns="">
           <p:sp>
             <p:nvSpPr>
               <p:cNvPr id="36" name="TextBox 35">
@@ -6986,8 +7000,8 @@
           </a:p>
         </p:txBody>
       </p:sp>
-      <mc:AlternateContent xmlns:mc="http://schemas.openxmlformats.org/markup-compatibility/2006">
-        <mc:Choice xmlns:a14="http://schemas.microsoft.com/office/drawing/2010/main" Requires="a14">
+      <mc:AlternateContent xmlns:mc="http://schemas.openxmlformats.org/markup-compatibility/2006" xmlns:a14="http://schemas.microsoft.com/office/drawing/2010/main">
+        <mc:Choice Requires="a14">
           <p:sp>
             <p:nvSpPr>
               <p:cNvPr id="39" name="TextBox 38">
@@ -7016,6 +7030,7 @@
               </a:bodyPr>
               <a:lstStyle/>
               <a:p>
+                <a:pPr/>
                 <a14:m>
                   <m:oMathPara xmlns:m="http://schemas.openxmlformats.org/officeDocument/2006/math">
                     <m:oMathParaPr>
@@ -7258,7 +7273,7 @@
             </p:txBody>
           </p:sp>
         </mc:Choice>
-        <mc:Fallback>
+        <mc:Fallback xmlns="">
           <p:sp>
             <p:nvSpPr>
               <p:cNvPr id="39" name="TextBox 38">
@@ -7303,8 +7318,8 @@
           </p:sp>
         </mc:Fallback>
       </mc:AlternateContent>
-      <mc:AlternateContent xmlns:mc="http://schemas.openxmlformats.org/markup-compatibility/2006">
-        <mc:Choice xmlns:a14="http://schemas.microsoft.com/office/drawing/2010/main" Requires="a14">
+      <mc:AlternateContent xmlns:mc="http://schemas.openxmlformats.org/markup-compatibility/2006" xmlns:a14="http://schemas.microsoft.com/office/drawing/2010/main">
+        <mc:Choice Requires="a14">
           <p:sp>
             <p:nvSpPr>
               <p:cNvPr id="40" name="TextBox 39">
@@ -7333,6 +7348,7 @@
               </a:bodyPr>
               <a:lstStyle/>
               <a:p>
+                <a:pPr/>
                 <a14:m>
                   <m:oMathPara xmlns:m="http://schemas.openxmlformats.org/officeDocument/2006/math">
                     <m:oMathParaPr>
@@ -7544,7 +7560,7 @@
             </p:txBody>
           </p:sp>
         </mc:Choice>
-        <mc:Fallback>
+        <mc:Fallback xmlns="">
           <p:sp>
             <p:nvSpPr>
               <p:cNvPr id="40" name="TextBox 39">
@@ -7589,8 +7605,8 @@
           </p:sp>
         </mc:Fallback>
       </mc:AlternateContent>
-      <mc:AlternateContent xmlns:mc="http://schemas.openxmlformats.org/markup-compatibility/2006">
-        <mc:Choice xmlns:a14="http://schemas.microsoft.com/office/drawing/2010/main" Requires="a14">
+      <mc:AlternateContent xmlns:mc="http://schemas.openxmlformats.org/markup-compatibility/2006" xmlns:a14="http://schemas.microsoft.com/office/drawing/2010/main">
+        <mc:Choice Requires="a14">
           <p:sp>
             <p:nvSpPr>
               <p:cNvPr id="44" name="TextBox 43">
@@ -7619,6 +7635,7 @@
               </a:bodyPr>
               <a:lstStyle/>
               <a:p>
+                <a:pPr/>
                 <a14:m>
                   <m:oMathPara xmlns:m="http://schemas.openxmlformats.org/officeDocument/2006/math">
                     <m:oMathParaPr>
@@ -7886,7 +7903,7 @@
             </p:txBody>
           </p:sp>
         </mc:Choice>
-        <mc:Fallback>
+        <mc:Fallback xmlns="">
           <p:sp>
             <p:nvSpPr>
               <p:cNvPr id="44" name="TextBox 43">
@@ -7931,8 +7948,8 @@
           </p:sp>
         </mc:Fallback>
       </mc:AlternateContent>
-      <mc:AlternateContent xmlns:mc="http://schemas.openxmlformats.org/markup-compatibility/2006">
-        <mc:Choice xmlns:a14="http://schemas.microsoft.com/office/drawing/2010/main" Requires="a14">
+      <mc:AlternateContent xmlns:mc="http://schemas.openxmlformats.org/markup-compatibility/2006" xmlns:a14="http://schemas.microsoft.com/office/drawing/2010/main">
+        <mc:Choice Requires="a14">
           <p:sp>
             <p:nvSpPr>
               <p:cNvPr id="22" name="Rectangle 21">
@@ -7960,6 +7977,7 @@
               </a:bodyPr>
               <a:lstStyle/>
               <a:p>
+                <a:pPr/>
                 <a14:m>
                   <m:oMathPara xmlns:m="http://schemas.openxmlformats.org/officeDocument/2006/math">
                     <m:oMathParaPr>
@@ -8010,7 +8028,7 @@
             </p:txBody>
           </p:sp>
         </mc:Choice>
-        <mc:Fallback>
+        <mc:Fallback xmlns="">
           <p:sp>
             <p:nvSpPr>
               <p:cNvPr id="22" name="Rectangle 21">
@@ -8279,8 +8297,8 @@
           </a:p>
         </p:txBody>
       </p:sp>
-      <mc:AlternateContent xmlns:mc="http://schemas.openxmlformats.org/markup-compatibility/2006">
-        <mc:Choice xmlns:a14="http://schemas.microsoft.com/office/drawing/2010/main" Requires="a14">
+      <mc:AlternateContent xmlns:mc="http://schemas.openxmlformats.org/markup-compatibility/2006" xmlns:a14="http://schemas.microsoft.com/office/drawing/2010/main">
+        <mc:Choice Requires="a14">
           <p:sp>
             <p:nvSpPr>
               <p:cNvPr id="4" name="TextBox 3">
@@ -8423,7 +8441,7 @@
                     <m:d>
                       <m:dPr>
                         <m:ctrlPr>
-                          <a:rPr lang="en-US" b="0" i="0" smtClean="0">
+                          <a:rPr lang="en-US" b="0" i="1" smtClean="0">
                             <a:latin typeface="Cambria Math" panose="02040503050406030204" pitchFamily="18" charset="0"/>
                           </a:rPr>
                         </m:ctrlPr>
@@ -8684,7 +8702,7 @@
             </p:txBody>
           </p:sp>
         </mc:Choice>
-        <mc:Fallback>
+        <mc:Fallback xmlns="">
           <p:sp>
             <p:nvSpPr>
               <p:cNvPr id="4" name="TextBox 3">
@@ -8729,8 +8747,8 @@
           </p:sp>
         </mc:Fallback>
       </mc:AlternateContent>
-      <mc:AlternateContent xmlns:mc="http://schemas.openxmlformats.org/markup-compatibility/2006">
-        <mc:Choice xmlns:a14="http://schemas.microsoft.com/office/drawing/2010/main" Requires="a14">
+      <mc:AlternateContent xmlns:mc="http://schemas.openxmlformats.org/markup-compatibility/2006" xmlns:a14="http://schemas.microsoft.com/office/drawing/2010/main">
+        <mc:Choice Requires="a14">
           <p:sp>
             <p:nvSpPr>
               <p:cNvPr id="5" name="Rectangle 4">
@@ -9393,7 +9411,7 @@
             </p:txBody>
           </p:sp>
         </mc:Choice>
-        <mc:Fallback>
+        <mc:Fallback xmlns="">
           <p:sp>
             <p:nvSpPr>
               <p:cNvPr id="5" name="Rectangle 4">
@@ -9531,8 +9549,8 @@
           </a:p>
         </p:txBody>
       </p:sp>
-      <mc:AlternateContent xmlns:mc="http://schemas.openxmlformats.org/markup-compatibility/2006">
-        <mc:Choice xmlns:a14="http://schemas.microsoft.com/office/drawing/2010/main" Requires="a14">
+      <mc:AlternateContent xmlns:mc="http://schemas.openxmlformats.org/markup-compatibility/2006" xmlns:a14="http://schemas.microsoft.com/office/drawing/2010/main">
+        <mc:Choice Requires="a14">
           <p:sp>
             <p:nvSpPr>
               <p:cNvPr id="4" name="TextBox 3">
@@ -9901,7 +9919,7 @@
             </p:txBody>
           </p:sp>
         </mc:Choice>
-        <mc:Fallback>
+        <mc:Fallback xmlns="">
           <p:sp>
             <p:nvSpPr>
               <p:cNvPr id="4" name="TextBox 3">
@@ -10039,44 +10057,105 @@
           </a:p>
         </p:txBody>
       </p:sp>
+      <p:sp>
+        <p:nvSpPr>
+          <p:cNvPr id="5" name="TextBox 4">
+            <a:extLst>
+              <a:ext uri="{FF2B5EF4-FFF2-40B4-BE49-F238E27FC236}">
+                <a16:creationId xmlns:a16="http://schemas.microsoft.com/office/drawing/2014/main" id="{17161772-F09E-214B-AF5F-2CA2807AFF1E}"/>
+              </a:ext>
+            </a:extLst>
+          </p:cNvPr>
+          <p:cNvSpPr txBox="1"/>
+          <p:nvPr/>
+        </p:nvSpPr>
+        <p:spPr>
+          <a:xfrm>
+            <a:off x="457200" y="919039"/>
+            <a:ext cx="7972148" cy="1477328"/>
+          </a:xfrm>
+          <a:prstGeom prst="rect">
+            <a:avLst/>
+          </a:prstGeom>
+          <a:noFill/>
+        </p:spPr>
+        <p:txBody>
+          <a:bodyPr wrap="square" rtlCol="0">
+            <a:spAutoFit/>
+          </a:bodyPr>
+          <a:lstStyle/>
+          <a:p>
+            <a:r>
+              <a:rPr lang="en-US" dirty="0"/>
+              <a:t>The response to initial conditions is what happens when we run the system with just initial concentrations of floating species, as displayed below for the running example.</a:t>
+            </a:r>
+          </a:p>
+          <a:p>
+            <a:endParaRPr lang="en-US" dirty="0"/>
+          </a:p>
+          <a:p>
+            <a:endParaRPr lang="en-US" dirty="0"/>
+          </a:p>
+        </p:txBody>
+      </p:sp>
+      <p:pic>
+        <p:nvPicPr>
+          <p:cNvPr id="7" name="Picture 6" descr="A picture containing chart&#10;&#10;Description automatically generated">
+            <a:extLst>
+              <a:ext uri="{FF2B5EF4-FFF2-40B4-BE49-F238E27FC236}">
+                <a16:creationId xmlns:a16="http://schemas.microsoft.com/office/drawing/2014/main" id="{A1E124D0-ABF5-F643-9211-476D0BE00FE7}"/>
+              </a:ext>
+            </a:extLst>
+          </p:cNvPr>
+          <p:cNvPicPr>
+            <a:picLocks noChangeAspect="1"/>
+          </p:cNvPicPr>
+          <p:nvPr/>
+        </p:nvPicPr>
+        <p:blipFill>
+          <a:blip r:embed="rId2"/>
+          <a:stretch>
+            <a:fillRect/>
+          </a:stretch>
+        </p:blipFill>
+        <p:spPr>
+          <a:xfrm>
+            <a:off x="2516819" y="1723341"/>
+            <a:ext cx="3334244" cy="2238159"/>
+          </a:xfrm>
+          <a:prstGeom prst="rect">
+            <a:avLst/>
+          </a:prstGeom>
+        </p:spPr>
+      </p:pic>
       <mc:AlternateContent xmlns:mc="http://schemas.openxmlformats.org/markup-compatibility/2006">
         <mc:Choice xmlns:a14="http://schemas.microsoft.com/office/drawing/2010/main" Requires="a14">
           <p:sp>
             <p:nvSpPr>
-              <p:cNvPr id="5" name="TextBox 4">
+              <p:cNvPr id="4" name="Rectangle 3">
                 <a:extLst>
                   <a:ext uri="{FF2B5EF4-FFF2-40B4-BE49-F238E27FC236}">
-                    <a16:creationId xmlns:a16="http://schemas.microsoft.com/office/drawing/2014/main" id="{17161772-F09E-214B-AF5F-2CA2807AFF1E}"/>
+                    <a16:creationId xmlns:a16="http://schemas.microsoft.com/office/drawing/2014/main" id="{2BFABB97-7D74-7447-8720-C4DCE9CC33FF}"/>
                   </a:ext>
                 </a:extLst>
               </p:cNvPr>
-              <p:cNvSpPr txBox="1"/>
+              <p:cNvSpPr/>
               <p:nvPr/>
             </p:nvSpPr>
             <p:spPr>
               <a:xfrm>
-                <a:off x="457200" y="919039"/>
-                <a:ext cx="7972148" cy="3610219"/>
+                <a:off x="494930" y="4015579"/>
+                <a:ext cx="8329473" cy="1948226"/>
               </a:xfrm>
               <a:prstGeom prst="rect">
                 <a:avLst/>
               </a:prstGeom>
-              <a:noFill/>
             </p:spPr>
             <p:txBody>
-              <a:bodyPr wrap="square" rtlCol="0">
+              <a:bodyPr wrap="square">
                 <a:spAutoFit/>
               </a:bodyPr>
               <a:lstStyle/>
-              <a:p>
-                <a:r>
-                  <a:rPr lang="en-US" dirty="0"/>
-                  <a:t>The response to initial conditions is what happens when we run the system with just initial concentrations of floating species, as displayed below for the running example.</a:t>
-                </a:r>
-              </a:p>
-              <a:p>
-                <a:endParaRPr lang="en-US" dirty="0"/>
-              </a:p>
               <a:p>
                 <a:r>
                   <a:rPr lang="en-US" dirty="0"/>
@@ -10108,7 +10187,7 @@
                       </m:e>
                     </m:d>
                     <m:r>
-                      <a:rPr lang="en-US" b="0" i="1" smtClean="0">
+                      <a:rPr lang="en-US" i="1">
                         <a:latin typeface="Cambria Math" panose="02040503050406030204" pitchFamily="18" charset="0"/>
                       </a:rPr>
                       <m:t>=</m:t>
@@ -10116,7 +10195,7 @@
                     <m:f>
                       <m:fPr>
                         <m:ctrlPr>
-                          <a:rPr lang="en-US" b="0" i="1" smtClean="0">
+                          <a:rPr lang="en-US" i="1">
                             <a:latin typeface="Cambria Math" panose="02040503050406030204" pitchFamily="18" charset="0"/>
                           </a:rPr>
                         </m:ctrlPr>
@@ -10125,14 +10204,14 @@
                         <m:sSub>
                           <m:sSubPr>
                             <m:ctrlPr>
-                              <a:rPr lang="en-US" b="0" i="1" smtClean="0">
+                              <a:rPr lang="en-US" i="1">
                                 <a:latin typeface="Cambria Math" panose="02040503050406030204" pitchFamily="18" charset="0"/>
                               </a:rPr>
                             </m:ctrlPr>
                           </m:sSubPr>
                           <m:e>
                             <m:r>
-                              <a:rPr lang="en-US" b="0" i="1" smtClean="0">
+                              <a:rPr lang="en-US" i="1">
                                 <a:latin typeface="Cambria Math" panose="02040503050406030204" pitchFamily="18" charset="0"/>
                               </a:rPr>
                               <m:t>𝑆</m:t>
@@ -10140,7 +10219,7 @@
                           </m:e>
                           <m:sub>
                             <m:r>
-                              <a:rPr lang="en-US" b="0" i="1" smtClean="0">
+                              <a:rPr lang="en-US" i="1">
                                 <a:latin typeface="Cambria Math" panose="02040503050406030204" pitchFamily="18" charset="0"/>
                               </a:rPr>
                               <m:t>3</m:t>
@@ -10148,19 +10227,19 @@
                           </m:sub>
                         </m:sSub>
                         <m:r>
-                          <a:rPr lang="en-US" b="0" i="1" smtClean="0">
+                          <a:rPr lang="en-US" i="1">
                             <a:latin typeface="Cambria Math" panose="02040503050406030204" pitchFamily="18" charset="0"/>
                           </a:rPr>
                           <m:t>(</m:t>
                         </m:r>
                         <m:r>
-                          <a:rPr lang="en-US" b="0" i="1" smtClean="0">
+                          <a:rPr lang="en-US" i="1">
                             <a:latin typeface="Cambria Math" panose="02040503050406030204" pitchFamily="18" charset="0"/>
                           </a:rPr>
                           <m:t>𝑠</m:t>
                         </m:r>
                         <m:r>
-                          <a:rPr lang="en-US" b="0" i="1" smtClean="0">
+                          <a:rPr lang="en-US" i="1">
                             <a:latin typeface="Cambria Math" panose="02040503050406030204" pitchFamily="18" charset="0"/>
                           </a:rPr>
                           <m:t>)</m:t>
@@ -10170,14 +10249,14 @@
                         <m:sSub>
                           <m:sSubPr>
                             <m:ctrlPr>
-                              <a:rPr lang="en-US" b="0" i="1" smtClean="0">
+                              <a:rPr lang="en-US" i="1">
                                 <a:latin typeface="Cambria Math" panose="02040503050406030204" pitchFamily="18" charset="0"/>
                               </a:rPr>
                             </m:ctrlPr>
                           </m:sSubPr>
                           <m:e>
                             <m:r>
-                              <a:rPr lang="en-US" b="0" i="1" smtClean="0">
+                              <a:rPr lang="en-US" i="1">
                                 <a:latin typeface="Cambria Math" panose="02040503050406030204" pitchFamily="18" charset="0"/>
                               </a:rPr>
                               <m:t>𝑆</m:t>
@@ -10185,7 +10264,7 @@
                           </m:e>
                           <m:sub>
                             <m:r>
-                              <a:rPr lang="en-US" b="0" i="1" smtClean="0">
+                              <a:rPr lang="en-US" i="1">
                                 <a:latin typeface="Cambria Math" panose="02040503050406030204" pitchFamily="18" charset="0"/>
                               </a:rPr>
                               <m:t>1</m:t>
@@ -10193,19 +10272,19 @@
                           </m:sub>
                         </m:sSub>
                         <m:r>
-                          <a:rPr lang="en-US" b="0" i="1" smtClean="0">
+                          <a:rPr lang="en-US" i="1">
                             <a:latin typeface="Cambria Math" panose="02040503050406030204" pitchFamily="18" charset="0"/>
                           </a:rPr>
                           <m:t>(</m:t>
                         </m:r>
                         <m:r>
-                          <a:rPr lang="en-US" b="0" i="1" smtClean="0">
+                          <a:rPr lang="en-US" i="1">
                             <a:latin typeface="Cambria Math" panose="02040503050406030204" pitchFamily="18" charset="0"/>
                           </a:rPr>
                           <m:t>𝑠</m:t>
                         </m:r>
                         <m:r>
-                          <a:rPr lang="en-US" b="0" i="1" smtClean="0">
+                          <a:rPr lang="en-US" i="1">
                             <a:latin typeface="Cambria Math" panose="02040503050406030204" pitchFamily="18" charset="0"/>
                           </a:rPr>
                           <m:t>)</m:t>
@@ -10347,14 +10426,14 @@
                     <m:sSub>
                       <m:sSubPr>
                         <m:ctrlPr>
-                          <a:rPr lang="en-US" b="0" i="1" smtClean="0">
+                          <a:rPr lang="en-US" i="1">
                             <a:latin typeface="Cambria Math" panose="02040503050406030204" pitchFamily="18" charset="0"/>
                           </a:rPr>
                         </m:ctrlPr>
                       </m:sSubPr>
                       <m:e>
                         <m:r>
-                          <a:rPr lang="en-US" b="0" i="1" smtClean="0">
+                          <a:rPr lang="en-US" i="1">
                             <a:latin typeface="Cambria Math" panose="02040503050406030204" pitchFamily="18" charset="0"/>
                           </a:rPr>
                           <m:t>𝑆</m:t>
@@ -10362,7 +10441,7 @@
                       </m:e>
                       <m:sub>
                         <m:r>
-                          <a:rPr lang="en-US" b="0" i="1" smtClean="0">
+                          <a:rPr lang="en-US" i="1">
                             <a:latin typeface="Cambria Math" panose="02040503050406030204" pitchFamily="18" charset="0"/>
                           </a:rPr>
                           <m:t>1</m:t>
@@ -10370,19 +10449,19 @@
                       </m:sub>
                     </m:sSub>
                     <m:r>
-                      <a:rPr lang="en-US" b="0" i="1" smtClean="0">
+                      <a:rPr lang="en-US" i="1">
                         <a:latin typeface="Cambria Math" panose="02040503050406030204" pitchFamily="18" charset="0"/>
                       </a:rPr>
                       <m:t>(</m:t>
                     </m:r>
                     <m:r>
-                      <a:rPr lang="en-US" b="0" i="1" smtClean="0">
+                      <a:rPr lang="en-US" i="1">
                         <a:latin typeface="Cambria Math" panose="02040503050406030204" pitchFamily="18" charset="0"/>
                       </a:rPr>
                       <m:t>𝑠</m:t>
                     </m:r>
                     <m:r>
-                      <a:rPr lang="en-US" b="0" i="1" smtClean="0">
+                      <a:rPr lang="en-US" i="1">
                         <a:latin typeface="Cambria Math" panose="02040503050406030204" pitchFamily="18" charset="0"/>
                       </a:rPr>
                       <m:t>)</m:t>
@@ -10398,14 +10477,14 @@
                     <m:sSub>
                       <m:sSubPr>
                         <m:ctrlPr>
-                          <a:rPr lang="en-US" b="0" i="1" smtClean="0">
+                          <a:rPr lang="en-US" i="1">
                             <a:latin typeface="Cambria Math" panose="02040503050406030204" pitchFamily="18" charset="0"/>
                           </a:rPr>
                         </m:ctrlPr>
                       </m:sSubPr>
                       <m:e>
                         <m:r>
-                          <a:rPr lang="en-US" b="0" i="1" smtClean="0">
+                          <a:rPr lang="en-US" i="1">
                             <a:latin typeface="Cambria Math" panose="02040503050406030204" pitchFamily="18" charset="0"/>
                           </a:rPr>
                           <m:t>𝑆</m:t>
@@ -10413,7 +10492,7 @@
                       </m:e>
                       <m:sub>
                         <m:r>
-                          <a:rPr lang="en-US" b="0" i="1" smtClean="0">
+                          <a:rPr lang="en-US" i="1">
                             <a:latin typeface="Cambria Math" panose="02040503050406030204" pitchFamily="18" charset="0"/>
                           </a:rPr>
                           <m:t>1</m:t>
@@ -10423,14 +10502,14 @@
                     <m:d>
                       <m:dPr>
                         <m:ctrlPr>
-                          <a:rPr lang="en-US" b="0" i="1" smtClean="0">
+                          <a:rPr lang="en-US" i="1">
                             <a:latin typeface="Cambria Math" panose="02040503050406030204" pitchFamily="18" charset="0"/>
                           </a:rPr>
                         </m:ctrlPr>
                       </m:dPr>
                       <m:e>
                         <m:r>
-                          <a:rPr lang="en-US" b="0" i="1" smtClean="0">
+                          <a:rPr lang="en-US" i="1">
                             <a:latin typeface="Cambria Math" panose="02040503050406030204" pitchFamily="18" charset="0"/>
                           </a:rPr>
                           <m:t>𝑠</m:t>
@@ -10438,7 +10517,7 @@
                       </m:e>
                     </m:d>
                     <m:r>
-                      <a:rPr lang="en-US" b="0" i="1" smtClean="0">
+                      <a:rPr lang="en-US" i="1">
                         <a:latin typeface="Cambria Math" panose="02040503050406030204" pitchFamily="18" charset="0"/>
                       </a:rPr>
                       <m:t>=</m:t>
@@ -10446,14 +10525,14 @@
                     <m:f>
                       <m:fPr>
                         <m:ctrlPr>
-                          <a:rPr lang="en-US" b="0" i="1" smtClean="0">
+                          <a:rPr lang="en-US" i="1">
                             <a:latin typeface="Cambria Math" panose="02040503050406030204" pitchFamily="18" charset="0"/>
                           </a:rPr>
                         </m:ctrlPr>
                       </m:fPr>
                       <m:num>
                         <m:r>
-                          <a:rPr lang="en-US" b="0" i="1" smtClean="0">
+                          <a:rPr lang="en-US" i="1">
                             <a:latin typeface="Cambria Math" panose="02040503050406030204" pitchFamily="18" charset="0"/>
                           </a:rPr>
                           <m:t>10</m:t>
@@ -10461,13 +10540,13 @@
                       </m:num>
                       <m:den>
                         <m:r>
-                          <a:rPr lang="en-US" b="0" i="1" smtClean="0">
+                          <a:rPr lang="en-US" i="1">
                             <a:latin typeface="Cambria Math" panose="02040503050406030204" pitchFamily="18" charset="0"/>
                           </a:rPr>
                           <m:t>𝑠</m:t>
                         </m:r>
                         <m:r>
-                          <a:rPr lang="en-US" b="0" i="1" smtClean="0">
+                          <a:rPr lang="en-US" i="1">
                             <a:latin typeface="Cambria Math" panose="02040503050406030204" pitchFamily="18" charset="0"/>
                           </a:rPr>
                           <m:t>+</m:t>
@@ -10475,14 +10554,14 @@
                         <m:sSub>
                           <m:sSubPr>
                             <m:ctrlPr>
-                              <a:rPr lang="en-US" b="0" i="1" smtClean="0">
+                              <a:rPr lang="en-US" i="1">
                                 <a:latin typeface="Cambria Math" panose="02040503050406030204" pitchFamily="18" charset="0"/>
                               </a:rPr>
                             </m:ctrlPr>
                           </m:sSubPr>
                           <m:e>
                             <m:r>
-                              <a:rPr lang="en-US" b="0" i="1" smtClean="0">
+                              <a:rPr lang="en-US" i="1">
                                 <a:latin typeface="Cambria Math" panose="02040503050406030204" pitchFamily="18" charset="0"/>
                               </a:rPr>
                               <m:t>𝑘</m:t>
@@ -10490,7 +10569,7 @@
                           </m:e>
                           <m:sub>
                             <m:r>
-                              <a:rPr lang="en-US" b="0" i="1" smtClean="0">
+                              <a:rPr lang="en-US" i="1">
                                 <a:latin typeface="Cambria Math" panose="02040503050406030204" pitchFamily="18" charset="0"/>
                               </a:rPr>
                               <m:t>1</m:t>
@@ -10500,7 +10579,7 @@
                       </m:den>
                     </m:f>
                     <m:r>
-                      <a:rPr lang="en-US" b="0" i="1" smtClean="0">
+                      <a:rPr lang="en-US" i="1">
                         <a:latin typeface="Cambria Math" panose="02040503050406030204" pitchFamily="18" charset="0"/>
                       </a:rPr>
                       <m:t>,</m:t>
@@ -10516,14 +10595,14 @@
                     <m:sSub>
                       <m:sSubPr>
                         <m:ctrlPr>
-                          <a:rPr lang="en-US" b="0" i="1" smtClean="0">
+                          <a:rPr lang="en-US" i="1">
                             <a:latin typeface="Cambria Math" panose="02040503050406030204" pitchFamily="18" charset="0"/>
                           </a:rPr>
                         </m:ctrlPr>
                       </m:sSubPr>
                       <m:e>
                         <m:r>
-                          <a:rPr lang="en-US" b="0" i="1" smtClean="0">
+                          <a:rPr lang="en-US" i="1">
                             <a:latin typeface="Cambria Math" panose="02040503050406030204" pitchFamily="18" charset="0"/>
                           </a:rPr>
                           <m:t>𝑆</m:t>
@@ -10531,7 +10610,7 @@
                       </m:e>
                       <m:sub>
                         <m:r>
-                          <a:rPr lang="en-US" b="0" i="1" smtClean="0">
+                          <a:rPr lang="en-US" i="1">
                             <a:latin typeface="Cambria Math" panose="02040503050406030204" pitchFamily="18" charset="0"/>
                           </a:rPr>
                           <m:t>3</m:t>
@@ -10541,14 +10620,14 @@
                     <m:d>
                       <m:dPr>
                         <m:ctrlPr>
-                          <a:rPr lang="en-US" b="0" i="1" smtClean="0">
+                          <a:rPr lang="en-US" i="1">
                             <a:latin typeface="Cambria Math" panose="02040503050406030204" pitchFamily="18" charset="0"/>
                           </a:rPr>
                         </m:ctrlPr>
                       </m:dPr>
                       <m:e>
                         <m:r>
-                          <a:rPr lang="en-US" b="0" i="1" smtClean="0">
+                          <a:rPr lang="en-US" i="1">
                             <a:latin typeface="Cambria Math" panose="02040503050406030204" pitchFamily="18" charset="0"/>
                           </a:rPr>
                           <m:t>𝑠</m:t>
@@ -10748,7 +10827,7 @@
                     <m:limLow>
                       <m:limLowPr>
                         <m:ctrlPr>
-                          <a:rPr lang="en-US" b="0" i="0" smtClean="0">
+                          <a:rPr lang="en-US" i="1">
                             <a:latin typeface="Cambria Math" panose="02040503050406030204" pitchFamily="18" charset="0"/>
                           </a:rPr>
                         </m:ctrlPr>
@@ -10758,7 +10837,7 @@
                           <m:rPr>
                             <m:sty m:val="p"/>
                           </m:rPr>
-                          <a:rPr lang="en-US" b="0" i="0" smtClean="0">
+                          <a:rPr lang="en-US">
                             <a:latin typeface="Cambria Math" panose="02040503050406030204" pitchFamily="18" charset="0"/>
                           </a:rPr>
                           <m:t>lim</m:t>
@@ -10766,13 +10845,13 @@
                       </m:e>
                       <m:lim>
                         <m:r>
-                          <a:rPr lang="en-US" b="0" i="1" smtClean="0">
+                          <a:rPr lang="en-US" i="1">
                             <a:latin typeface="Cambria Math" panose="02040503050406030204" pitchFamily="18" charset="0"/>
                           </a:rPr>
                           <m:t>𝑠</m:t>
                         </m:r>
                         <m:r>
-                          <a:rPr lang="en-US" b="0" i="1" smtClean="0">
+                          <a:rPr lang="en-US" i="1">
                             <a:latin typeface="Cambria Math" panose="02040503050406030204" pitchFamily="18" charset="0"/>
                           </a:rPr>
                           <m:t>→0 </m:t>
@@ -10954,7 +11033,7 @@
                       </m:den>
                     </m:f>
                     <m:r>
-                      <a:rPr lang="en-US" b="0" i="1" smtClean="0">
+                      <a:rPr lang="en-US" i="1">
                         <a:latin typeface="Cambria Math" panose="02040503050406030204" pitchFamily="18" charset="0"/>
                       </a:rPr>
                       <m:t>=10.</m:t>
@@ -10963,39 +11042,36 @@
                 </a14:m>
                 <a:endParaRPr lang="en-US" dirty="0"/>
               </a:p>
-              <a:p>
-                <a:endParaRPr lang="en-US" dirty="0"/>
-              </a:p>
             </p:txBody>
           </p:sp>
         </mc:Choice>
         <mc:Fallback>
           <p:sp>
             <p:nvSpPr>
-              <p:cNvPr id="5" name="TextBox 4">
+              <p:cNvPr id="4" name="Rectangle 3">
                 <a:extLst>
                   <a:ext uri="{FF2B5EF4-FFF2-40B4-BE49-F238E27FC236}">
-                    <a16:creationId xmlns:a16="http://schemas.microsoft.com/office/drawing/2014/main" id="{17161772-F09E-214B-AF5F-2CA2807AFF1E}"/>
+                    <a16:creationId xmlns:a16="http://schemas.microsoft.com/office/drawing/2014/main" id="{2BFABB97-7D74-7447-8720-C4DCE9CC33FF}"/>
                   </a:ext>
                 </a:extLst>
               </p:cNvPr>
-              <p:cNvSpPr txBox="1">
+              <p:cNvSpPr>
                 <a:spLocks noRot="1" noChangeAspect="1" noMove="1" noResize="1" noEditPoints="1" noAdjustHandles="1" noChangeArrowheads="1" noChangeShapeType="1" noTextEdit="1"/>
               </p:cNvSpPr>
               <p:nvPr/>
             </p:nvSpPr>
             <p:spPr>
               <a:xfrm>
-                <a:off x="457200" y="919039"/>
-                <a:ext cx="7972148" cy="3610219"/>
+                <a:off x="494930" y="4015579"/>
+                <a:ext cx="8329473" cy="1948226"/>
               </a:xfrm>
               <a:prstGeom prst="rect">
                 <a:avLst/>
               </a:prstGeom>
               <a:blipFill>
-                <a:blip r:embed="rId2"/>
+                <a:blip r:embed="rId3"/>
                 <a:stretch>
-                  <a:fillRect l="-637" t="-702"/>
+                  <a:fillRect l="-456" t="-1948" b="-2597"/>
                 </a:stretch>
               </a:blipFill>
             </p:spPr>
@@ -11014,36 +11090,6 @@
           </p:sp>
         </mc:Fallback>
       </mc:AlternateContent>
-      <p:pic>
-        <p:nvPicPr>
-          <p:cNvPr id="7" name="Picture 6" descr="A picture containing chart&#10;&#10;Description automatically generated">
-            <a:extLst>
-              <a:ext uri="{FF2B5EF4-FFF2-40B4-BE49-F238E27FC236}">
-                <a16:creationId xmlns:a16="http://schemas.microsoft.com/office/drawing/2014/main" id="{A1E124D0-ABF5-F643-9211-476D0BE00FE7}"/>
-              </a:ext>
-            </a:extLst>
-          </p:cNvPr>
-          <p:cNvPicPr>
-            <a:picLocks noChangeAspect="1"/>
-          </p:cNvPicPr>
-          <p:nvPr/>
-        </p:nvPicPr>
-        <p:blipFill>
-          <a:blip r:embed="rId3"/>
-          <a:stretch>
-            <a:fillRect/>
-          </a:stretch>
-        </p:blipFill>
-        <p:spPr>
-          <a:xfrm>
-            <a:off x="2321511" y="4307850"/>
-            <a:ext cx="3334244" cy="2238159"/>
-          </a:xfrm>
-          <a:prstGeom prst="rect">
-            <a:avLst/>
-          </a:prstGeom>
-        </p:spPr>
-      </p:pic>
     </p:spTree>
     <p:extLst>
       <p:ext uri="{BB962C8B-B14F-4D97-AF65-F5344CB8AC3E}">
@@ -11139,10 +11185,589 @@
       </p:sp>
       <p:sp>
         <p:nvSpPr>
-          <p:cNvPr id="4" name="TextBox 3">
+          <p:cNvPr id="6" name="Rectangle 5">
             <a:extLst>
               <a:ext uri="{FF2B5EF4-FFF2-40B4-BE49-F238E27FC236}">
-                <a16:creationId xmlns:a16="http://schemas.microsoft.com/office/drawing/2014/main" id="{EAB298A3-A37B-2A40-AC70-AA64F05AA616}"/>
+                <a16:creationId xmlns:a16="http://schemas.microsoft.com/office/drawing/2014/main" id="{169A4625-7328-B445-8667-A552274C9DF8}"/>
+              </a:ext>
+            </a:extLst>
+          </p:cNvPr>
+          <p:cNvSpPr/>
+          <p:nvPr/>
+        </p:nvSpPr>
+        <p:spPr>
+          <a:xfrm>
+            <a:off x="457200" y="1066800"/>
+            <a:ext cx="2383654" cy="1569660"/>
+          </a:xfrm>
+          <a:prstGeom prst="rect">
+            <a:avLst/>
+          </a:prstGeom>
+          <a:solidFill>
+            <a:schemeClr val="bg1">
+              <a:lumMod val="95000"/>
+            </a:schemeClr>
+          </a:solidFill>
+        </p:spPr>
+        <p:txBody>
+          <a:bodyPr wrap="square">
+            <a:spAutoFit/>
+          </a:bodyPr>
+          <a:lstStyle/>
+          <a:p>
+            <a:r>
+              <a:rPr lang="en-US" sz="1200" dirty="0">
+                <a:solidFill>
+                  <a:srgbClr val="222222"/>
+                </a:solidFill>
+                <a:latin typeface="Courier New" panose="02070309020205020404" pitchFamily="49" charset="0"/>
+                <a:cs typeface="Courier New" panose="02070309020205020404" pitchFamily="49" charset="0"/>
+              </a:rPr>
+              <a:t>J1: $S1 -&gt; S2; k1*$S1</a:t>
+            </a:r>
+            <a:br>
+              <a:rPr lang="en-US" sz="1200" dirty="0">
+                <a:solidFill>
+                  <a:srgbClr val="222222"/>
+                </a:solidFill>
+                <a:latin typeface="Courier New" panose="02070309020205020404" pitchFamily="49" charset="0"/>
+                <a:cs typeface="Courier New" panose="02070309020205020404" pitchFamily="49" charset="0"/>
+              </a:rPr>
+            </a:br>
+            <a:r>
+              <a:rPr lang="en-US" sz="1200" dirty="0">
+                <a:solidFill>
+                  <a:srgbClr val="222222"/>
+                </a:solidFill>
+                <a:latin typeface="Courier New" panose="02070309020205020404" pitchFamily="49" charset="0"/>
+                <a:cs typeface="Courier New" panose="02070309020205020404" pitchFamily="49" charset="0"/>
+              </a:rPr>
+              <a:t>J2: S2 -&gt; S3; k2*S2</a:t>
+            </a:r>
+            <a:br>
+              <a:rPr lang="en-US" sz="1200" dirty="0">
+                <a:solidFill>
+                  <a:srgbClr val="222222"/>
+                </a:solidFill>
+                <a:latin typeface="Courier New" panose="02070309020205020404" pitchFamily="49" charset="0"/>
+                <a:cs typeface="Courier New" panose="02070309020205020404" pitchFamily="49" charset="0"/>
+              </a:rPr>
+            </a:br>
+            <a:br>
+              <a:rPr lang="en-US" sz="1200" dirty="0">
+                <a:solidFill>
+                  <a:srgbClr val="222222"/>
+                </a:solidFill>
+                <a:latin typeface="Courier New" panose="02070309020205020404" pitchFamily="49" charset="0"/>
+                <a:cs typeface="Courier New" panose="02070309020205020404" pitchFamily="49" charset="0"/>
+              </a:rPr>
+            </a:br>
+            <a:r>
+              <a:rPr lang="en-US" sz="1200" dirty="0">
+                <a:latin typeface="Courier New" panose="02070309020205020404" pitchFamily="49" charset="0"/>
+                <a:cs typeface="Courier New" panose="02070309020205020404" pitchFamily="49" charset="0"/>
+                <a:sym typeface="Wingdings" pitchFamily="2" charset="2"/>
+              </a:rPr>
+              <a:t>k1=2; k2=0.5</a:t>
+            </a:r>
+          </a:p>
+          <a:p>
+            <a:r>
+              <a:rPr lang="en-US" sz="1200" dirty="0">
+                <a:latin typeface="Courier New" panose="02070309020205020404" pitchFamily="49" charset="0"/>
+                <a:cs typeface="Courier New" panose="02070309020205020404" pitchFamily="49" charset="0"/>
+              </a:rPr>
+              <a:t>S1=10; S2=0; S3=0</a:t>
+            </a:r>
+          </a:p>
+          <a:p>
+            <a:endParaRPr lang="en-US" sz="1200" dirty="0">
+              <a:latin typeface="Courier New" panose="02070309020205020404" pitchFamily="49" charset="0"/>
+              <a:cs typeface="Courier New" panose="02070309020205020404" pitchFamily="49" charset="0"/>
+            </a:endParaRPr>
+          </a:p>
+          <a:p>
+            <a:r>
+              <a:rPr lang="en-US" sz="1200" dirty="0">
+                <a:latin typeface="Courier New" panose="02070309020205020404" pitchFamily="49" charset="0"/>
+                <a:cs typeface="Courier New" panose="02070309020205020404" pitchFamily="49" charset="0"/>
+              </a:rPr>
+              <a:t>at (time &gt; 1): $S1 = 0</a:t>
+            </a:r>
+            <a:br>
+              <a:rPr lang="en-US" sz="1200" dirty="0">
+                <a:latin typeface="Courier New" panose="02070309020205020404" pitchFamily="49" charset="0"/>
+                <a:cs typeface="Courier New" panose="02070309020205020404" pitchFamily="49" charset="0"/>
+              </a:rPr>
+            </a:br>
+            <a:endParaRPr lang="en-US" sz="1200" dirty="0">
+              <a:latin typeface="Courier New" panose="02070309020205020404" pitchFamily="49" charset="0"/>
+              <a:cs typeface="Courier New" panose="02070309020205020404" pitchFamily="49" charset="0"/>
+            </a:endParaRPr>
+          </a:p>
+        </p:txBody>
+      </p:sp>
+      <p:pic>
+        <p:nvPicPr>
+          <p:cNvPr id="8" name="Picture 7" descr="A picture containing chart&#10;&#10;Description automatically generated">
+            <a:extLst>
+              <a:ext uri="{FF2B5EF4-FFF2-40B4-BE49-F238E27FC236}">
+                <a16:creationId xmlns:a16="http://schemas.microsoft.com/office/drawing/2014/main" id="{5484173E-FB36-7A4F-B20F-4AA5FEC9900C}"/>
+              </a:ext>
+            </a:extLst>
+          </p:cNvPr>
+          <p:cNvPicPr>
+            <a:picLocks noChangeAspect="1"/>
+          </p:cNvPicPr>
+          <p:nvPr/>
+        </p:nvPicPr>
+        <p:blipFill>
+          <a:blip r:embed="rId2"/>
+          <a:stretch>
+            <a:fillRect/>
+          </a:stretch>
+        </p:blipFill>
+        <p:spPr>
+          <a:xfrm>
+            <a:off x="3237201" y="1162974"/>
+            <a:ext cx="2358444" cy="1544468"/>
+          </a:xfrm>
+          <a:prstGeom prst="rect">
+            <a:avLst/>
+          </a:prstGeom>
+        </p:spPr>
+      </p:pic>
+      <mc:AlternateContent xmlns:mc="http://schemas.openxmlformats.org/markup-compatibility/2006">
+        <mc:Choice xmlns:a14="http://schemas.microsoft.com/office/drawing/2010/main" Requires="a14">
+          <p:sp>
+            <p:nvSpPr>
+              <p:cNvPr id="9" name="TextBox 8">
+                <a:extLst>
+                  <a:ext uri="{FF2B5EF4-FFF2-40B4-BE49-F238E27FC236}">
+                    <a16:creationId xmlns:a16="http://schemas.microsoft.com/office/drawing/2014/main" id="{E7DB7464-C098-4240-9B16-F4ECF142A838}"/>
+                  </a:ext>
+                </a:extLst>
+              </p:cNvPr>
+              <p:cNvSpPr txBox="1"/>
+              <p:nvPr/>
+            </p:nvSpPr>
+            <p:spPr>
+              <a:xfrm>
+                <a:off x="430349" y="2878259"/>
+                <a:ext cx="7972148" cy="1750607"/>
+              </a:xfrm>
+              <a:prstGeom prst="rect">
+                <a:avLst/>
+              </a:prstGeom>
+              <a:noFill/>
+            </p:spPr>
+            <p:txBody>
+              <a:bodyPr wrap="square" rtlCol="0">
+                <a:spAutoFit/>
+              </a:bodyPr>
+              <a:lstStyle/>
+              <a:p>
+                <a:r>
+                  <a:rPr lang="en-US" dirty="0"/>
+                  <a:t>The unit impulse response is a signal that has unit height over an infinitesimally small time. Formally, this is a height </a:t>
+                </a:r>
+                <a14:m>
+                  <m:oMath xmlns:m="http://schemas.openxmlformats.org/officeDocument/2006/math">
+                    <m:r>
+                      <a:rPr lang="en-US" b="0" i="1" smtClean="0">
+                        <a:latin typeface="Cambria Math" panose="02040503050406030204" pitchFamily="18" charset="0"/>
+                      </a:rPr>
+                      <m:t>𝜏</m:t>
+                    </m:r>
+                    <m:r>
+                      <a:rPr lang="en-US" b="0" i="1" smtClean="0">
+                        <a:latin typeface="Cambria Math" panose="02040503050406030204" pitchFamily="18" charset="0"/>
+                      </a:rPr>
+                      <m:t> </m:t>
+                    </m:r>
+                  </m:oMath>
+                </a14:m>
+                <a:r>
+                  <a:rPr lang="en-US" dirty="0"/>
+                  <a:t> over a time of duration </a:t>
+                </a:r>
+                <a14:m>
+                  <m:oMath xmlns:m="http://schemas.openxmlformats.org/officeDocument/2006/math">
+                    <m:f>
+                      <m:fPr>
+                        <m:ctrlPr>
+                          <a:rPr lang="en-US" b="0" i="1" smtClean="0">
+                            <a:latin typeface="Cambria Math" panose="02040503050406030204" pitchFamily="18" charset="0"/>
+                          </a:rPr>
+                        </m:ctrlPr>
+                      </m:fPr>
+                      <m:num>
+                        <m:r>
+                          <a:rPr lang="en-US" b="0" i="1" smtClean="0">
+                            <a:latin typeface="Cambria Math" panose="02040503050406030204" pitchFamily="18" charset="0"/>
+                          </a:rPr>
+                          <m:t>1</m:t>
+                        </m:r>
+                      </m:num>
+                      <m:den>
+                        <m:r>
+                          <a:rPr lang="en-US" b="0" i="1" smtClean="0">
+                            <a:latin typeface="Cambria Math" panose="02040503050406030204" pitchFamily="18" charset="0"/>
+                          </a:rPr>
+                          <m:t>𝜏</m:t>
+                        </m:r>
+                      </m:den>
+                    </m:f>
+                    <m:r>
+                      <a:rPr lang="en-US" b="0" i="1" smtClean="0">
+                        <a:latin typeface="Cambria Math" panose="02040503050406030204" pitchFamily="18" charset="0"/>
+                      </a:rPr>
+                      <m:t>,</m:t>
+                    </m:r>
+                  </m:oMath>
+                </a14:m>
+                <a:r>
+                  <a:rPr lang="en-US" dirty="0"/>
+                  <a:t> as </a:t>
+                </a:r>
+                <a14:m>
+                  <m:oMath xmlns:m="http://schemas.openxmlformats.org/officeDocument/2006/math">
+                    <m:r>
+                      <a:rPr lang="en-US" i="1">
+                        <a:latin typeface="Cambria Math" panose="02040503050406030204" pitchFamily="18" charset="0"/>
+                      </a:rPr>
+                      <m:t>𝜏</m:t>
+                    </m:r>
+                    <m:r>
+                      <a:rPr lang="en-US" b="0" i="1" smtClean="0">
+                        <a:latin typeface="Cambria Math" panose="02040503050406030204" pitchFamily="18" charset="0"/>
+                      </a:rPr>
+                      <m:t>→∞.</m:t>
+                    </m:r>
+                  </m:oMath>
+                </a14:m>
+                <a:r>
+                  <a:rPr lang="en-US" dirty="0"/>
+                  <a:t> For a stable system, this converges to </a:t>
+                </a:r>
+                <a14:m>
+                  <m:oMath xmlns:m="http://schemas.openxmlformats.org/officeDocument/2006/math">
+                    <m:func>
+                      <m:funcPr>
+                        <m:ctrlPr>
+                          <a:rPr lang="en-US" b="0" i="1" smtClean="0">
+                            <a:latin typeface="Cambria Math" panose="02040503050406030204" pitchFamily="18" charset="0"/>
+                          </a:rPr>
+                        </m:ctrlPr>
+                      </m:funcPr>
+                      <m:fName>
+                        <m:limLow>
+                          <m:limLowPr>
+                            <m:ctrlPr>
+                              <a:rPr lang="en-US" b="0" i="1" smtClean="0">
+                                <a:latin typeface="Cambria Math" panose="02040503050406030204" pitchFamily="18" charset="0"/>
+                              </a:rPr>
+                            </m:ctrlPr>
+                          </m:limLowPr>
+                          <m:e>
+                            <m:r>
+                              <m:rPr>
+                                <m:sty m:val="p"/>
+                              </m:rPr>
+                              <a:rPr lang="en-US" b="0" i="0" smtClean="0">
+                                <a:latin typeface="Cambria Math" panose="02040503050406030204" pitchFamily="18" charset="0"/>
+                              </a:rPr>
+                              <m:t>lim</m:t>
+                            </m:r>
+                          </m:e>
+                          <m:lim>
+                            <m:r>
+                              <a:rPr lang="en-US" b="0" i="1" smtClean="0">
+                                <a:latin typeface="Cambria Math" panose="02040503050406030204" pitchFamily="18" charset="0"/>
+                              </a:rPr>
+                              <m:t>𝑠</m:t>
+                            </m:r>
+                            <m:r>
+                              <a:rPr lang="en-US" b="0" i="1" smtClean="0">
+                                <a:latin typeface="Cambria Math" panose="02040503050406030204" pitchFamily="18" charset="0"/>
+                              </a:rPr>
+                              <m:t>→0</m:t>
+                            </m:r>
+                          </m:lim>
+                        </m:limLow>
+                      </m:fName>
+                      <m:e>
+                        <m:r>
+                          <a:rPr lang="en-US" b="0" i="1" smtClean="0">
+                            <a:latin typeface="Cambria Math" panose="02040503050406030204" pitchFamily="18" charset="0"/>
+                          </a:rPr>
+                          <m:t>𝑠𝐺</m:t>
+                        </m:r>
+                        <m:r>
+                          <a:rPr lang="en-US" b="0" i="1" smtClean="0">
+                            <a:latin typeface="Cambria Math" panose="02040503050406030204" pitchFamily="18" charset="0"/>
+                          </a:rPr>
+                          <m:t>(</m:t>
+                        </m:r>
+                        <m:r>
+                          <a:rPr lang="en-US" b="0" i="1" smtClean="0">
+                            <a:latin typeface="Cambria Math" panose="02040503050406030204" pitchFamily="18" charset="0"/>
+                          </a:rPr>
+                          <m:t>𝑠</m:t>
+                        </m:r>
+                        <m:r>
+                          <a:rPr lang="en-US" b="0" i="1" smtClean="0">
+                            <a:latin typeface="Cambria Math" panose="02040503050406030204" pitchFamily="18" charset="0"/>
+                          </a:rPr>
+                          <m:t>)</m:t>
+                        </m:r>
+                      </m:e>
+                    </m:func>
+                    <m:r>
+                      <a:rPr lang="en-US" b="0" i="1" smtClean="0">
+                        <a:latin typeface="Cambria Math" panose="02040503050406030204" pitchFamily="18" charset="0"/>
+                      </a:rPr>
+                      <m:t>.</m:t>
+                    </m:r>
+                  </m:oMath>
+                </a14:m>
+                <a:r>
+                  <a:rPr lang="en-US" dirty="0"/>
+                  <a:t> For the example above, the impulse is of size 10 and so we have </a:t>
+                </a:r>
+                <a14:m>
+                  <m:oMath xmlns:m="http://schemas.openxmlformats.org/officeDocument/2006/math">
+                    <m:limLow>
+                      <m:limLowPr>
+                        <m:ctrlPr>
+                          <a:rPr lang="en-US" b="0" i="0" smtClean="0">
+                            <a:latin typeface="Cambria Math" panose="02040503050406030204" pitchFamily="18" charset="0"/>
+                          </a:rPr>
+                        </m:ctrlPr>
+                      </m:limLowPr>
+                      <m:e>
+                        <m:r>
+                          <a:rPr lang="en-US" b="0" i="0" smtClean="0">
+                            <a:latin typeface="Cambria Math" panose="02040503050406030204" pitchFamily="18" charset="0"/>
+                          </a:rPr>
+                          <m:t>10</m:t>
+                        </m:r>
+                        <m:r>
+                          <m:rPr>
+                            <m:sty m:val="p"/>
+                          </m:rPr>
+                          <a:rPr lang="en-US" b="0" i="0" smtClean="0">
+                            <a:latin typeface="Cambria Math" panose="02040503050406030204" pitchFamily="18" charset="0"/>
+                          </a:rPr>
+                          <m:t>lim</m:t>
+                        </m:r>
+                      </m:e>
+                      <m:lim>
+                        <m:r>
+                          <a:rPr lang="en-US" b="0" i="1" smtClean="0">
+                            <a:latin typeface="Cambria Math" panose="02040503050406030204" pitchFamily="18" charset="0"/>
+                          </a:rPr>
+                          <m:t>𝑠</m:t>
+                        </m:r>
+                        <m:r>
+                          <a:rPr lang="en-US" b="0" i="1" smtClean="0">
+                            <a:latin typeface="Cambria Math" panose="02040503050406030204" pitchFamily="18" charset="0"/>
+                          </a:rPr>
+                          <m:t>→0</m:t>
+                        </m:r>
+                      </m:lim>
+                    </m:limLow>
+                    <m:r>
+                      <a:rPr lang="en-US" b="0" i="1" smtClean="0">
+                        <a:latin typeface="Cambria Math" panose="02040503050406030204" pitchFamily="18" charset="0"/>
+                      </a:rPr>
+                      <m:t>𝑠</m:t>
+                    </m:r>
+                    <m:f>
+                      <m:fPr>
+                        <m:ctrlPr>
+                          <a:rPr lang="en-US" i="1">
+                            <a:latin typeface="Cambria Math" panose="02040503050406030204" pitchFamily="18" charset="0"/>
+                          </a:rPr>
+                        </m:ctrlPr>
+                      </m:fPr>
+                      <m:num>
+                        <m:sSub>
+                          <m:sSubPr>
+                            <m:ctrlPr>
+                              <a:rPr lang="en-US" i="1">
+                                <a:latin typeface="Cambria Math" panose="02040503050406030204" pitchFamily="18" charset="0"/>
+                              </a:rPr>
+                            </m:ctrlPr>
+                          </m:sSubPr>
+                          <m:e>
+                            <m:r>
+                              <a:rPr lang="en-US" i="1">
+                                <a:latin typeface="Cambria Math" panose="02040503050406030204" pitchFamily="18" charset="0"/>
+                              </a:rPr>
+                              <m:t>𝑘</m:t>
+                            </m:r>
+                          </m:e>
+                          <m:sub>
+                            <m:r>
+                              <a:rPr lang="en-US" i="1">
+                                <a:latin typeface="Cambria Math" panose="02040503050406030204" pitchFamily="18" charset="0"/>
+                              </a:rPr>
+                              <m:t>1</m:t>
+                            </m:r>
+                          </m:sub>
+                        </m:sSub>
+                        <m:sSub>
+                          <m:sSubPr>
+                            <m:ctrlPr>
+                              <a:rPr lang="en-US" i="1">
+                                <a:latin typeface="Cambria Math" panose="02040503050406030204" pitchFamily="18" charset="0"/>
+                              </a:rPr>
+                            </m:ctrlPr>
+                          </m:sSubPr>
+                          <m:e>
+                            <m:r>
+                              <a:rPr lang="en-US" i="1">
+                                <a:latin typeface="Cambria Math" panose="02040503050406030204" pitchFamily="18" charset="0"/>
+                              </a:rPr>
+                              <m:t>𝑘</m:t>
+                            </m:r>
+                          </m:e>
+                          <m:sub>
+                            <m:r>
+                              <a:rPr lang="en-US" i="1">
+                                <a:latin typeface="Cambria Math" panose="02040503050406030204" pitchFamily="18" charset="0"/>
+                              </a:rPr>
+                              <m:t>2</m:t>
+                            </m:r>
+                          </m:sub>
+                        </m:sSub>
+                      </m:num>
+                      <m:den>
+                        <m:r>
+                          <a:rPr lang="en-US" i="1">
+                            <a:latin typeface="Cambria Math" panose="02040503050406030204" pitchFamily="18" charset="0"/>
+                          </a:rPr>
+                          <m:t>𝑠</m:t>
+                        </m:r>
+                        <m:r>
+                          <a:rPr lang="en-US" i="1">
+                            <a:latin typeface="Cambria Math" panose="02040503050406030204" pitchFamily="18" charset="0"/>
+                          </a:rPr>
+                          <m:t>(</m:t>
+                        </m:r>
+                        <m:r>
+                          <a:rPr lang="en-US" i="1">
+                            <a:latin typeface="Cambria Math" panose="02040503050406030204" pitchFamily="18" charset="0"/>
+                          </a:rPr>
+                          <m:t>𝑠</m:t>
+                        </m:r>
+                        <m:r>
+                          <a:rPr lang="en-US" i="1">
+                            <a:latin typeface="Cambria Math" panose="02040503050406030204" pitchFamily="18" charset="0"/>
+                          </a:rPr>
+                          <m:t>+</m:t>
+                        </m:r>
+                        <m:sSub>
+                          <m:sSubPr>
+                            <m:ctrlPr>
+                              <a:rPr lang="en-US" i="1">
+                                <a:latin typeface="Cambria Math" panose="02040503050406030204" pitchFamily="18" charset="0"/>
+                              </a:rPr>
+                            </m:ctrlPr>
+                          </m:sSubPr>
+                          <m:e>
+                            <m:r>
+                              <a:rPr lang="en-US" i="1">
+                                <a:latin typeface="Cambria Math" panose="02040503050406030204" pitchFamily="18" charset="0"/>
+                              </a:rPr>
+                              <m:t>𝑘</m:t>
+                            </m:r>
+                          </m:e>
+                          <m:sub>
+                            <m:r>
+                              <a:rPr lang="en-US" i="1">
+                                <a:latin typeface="Cambria Math" panose="02040503050406030204" pitchFamily="18" charset="0"/>
+                              </a:rPr>
+                              <m:t>2</m:t>
+                            </m:r>
+                          </m:sub>
+                        </m:sSub>
+                        <m:r>
+                          <a:rPr lang="en-US" i="1">
+                            <a:latin typeface="Cambria Math" panose="02040503050406030204" pitchFamily="18" charset="0"/>
+                          </a:rPr>
+                          <m:t>)</m:t>
+                        </m:r>
+                      </m:den>
+                    </m:f>
+                    <m:r>
+                      <a:rPr lang="en-US" b="0" i="1" smtClean="0">
+                        <a:latin typeface="Cambria Math" panose="02040503050406030204" pitchFamily="18" charset="0"/>
+                      </a:rPr>
+                      <m:t>=20.</m:t>
+                    </m:r>
+                  </m:oMath>
+                </a14:m>
+                <a:endParaRPr lang="en-US" dirty="0"/>
+              </a:p>
+              <a:p>
+                <a:endParaRPr lang="en-US" dirty="0"/>
+              </a:p>
+            </p:txBody>
+          </p:sp>
+        </mc:Choice>
+        <mc:Fallback>
+          <p:sp>
+            <p:nvSpPr>
+              <p:cNvPr id="9" name="TextBox 8">
+                <a:extLst>
+                  <a:ext uri="{FF2B5EF4-FFF2-40B4-BE49-F238E27FC236}">
+                    <a16:creationId xmlns:a16="http://schemas.microsoft.com/office/drawing/2014/main" id="{E7DB7464-C098-4240-9B16-F4ECF142A838}"/>
+                  </a:ext>
+                </a:extLst>
+              </p:cNvPr>
+              <p:cNvSpPr txBox="1">
+                <a:spLocks noRot="1" noChangeAspect="1" noMove="1" noResize="1" noEditPoints="1" noAdjustHandles="1" noChangeArrowheads="1" noChangeShapeType="1" noTextEdit="1"/>
+              </p:cNvSpPr>
+              <p:nvPr/>
+            </p:nvSpPr>
+            <p:spPr>
+              <a:xfrm>
+                <a:off x="430349" y="2878259"/>
+                <a:ext cx="7972148" cy="1750607"/>
+              </a:xfrm>
+              <a:prstGeom prst="rect">
+                <a:avLst/>
+              </a:prstGeom>
+              <a:blipFill>
+                <a:blip r:embed="rId3"/>
+                <a:stretch>
+                  <a:fillRect l="-796" t="-1439"/>
+                </a:stretch>
+              </a:blipFill>
+            </p:spPr>
+            <p:txBody>
+              <a:bodyPr/>
+              <a:lstStyle/>
+              <a:p>
+                <a:r>
+                  <a:rPr lang="en-US">
+                    <a:noFill/>
+                  </a:rPr>
+                  <a:t> </a:t>
+                </a:r>
+              </a:p>
+            </p:txBody>
+          </p:sp>
+        </mc:Fallback>
+      </mc:AlternateContent>
+      <p:sp>
+        <p:nvSpPr>
+          <p:cNvPr id="10" name="TextBox 9">
+            <a:extLst>
+              <a:ext uri="{FF2B5EF4-FFF2-40B4-BE49-F238E27FC236}">
+                <a16:creationId xmlns:a16="http://schemas.microsoft.com/office/drawing/2014/main" id="{99DFEAFB-F7A7-DD48-A23D-C6534F7E70A8}"/>
               </a:ext>
             </a:extLst>
           </p:cNvPr>
@@ -11151,8 +11776,8 @@
         </p:nvSpPr>
         <p:spPr>
           <a:xfrm>
-            <a:off x="1233996" y="1864311"/>
-            <a:ext cx="2210862" cy="923330"/>
+            <a:off x="457200" y="4547499"/>
+            <a:ext cx="7972148" cy="646331"/>
           </a:xfrm>
           <a:prstGeom prst="rect">
             <a:avLst/>
@@ -11160,27 +11785,18 @@
           <a:noFill/>
         </p:spPr>
         <p:txBody>
-          <a:bodyPr wrap="none" rtlCol="0">
+          <a:bodyPr wrap="square" rtlCol="0">
             <a:spAutoFit/>
           </a:bodyPr>
           <a:lstStyle/>
           <a:p>
             <a:r>
               <a:rPr lang="en-US" dirty="0"/>
-              <a:t>What it is.</a:t>
+              <a:t>If the impulse response is 0, then the system is robust to small changes.</a:t>
             </a:r>
           </a:p>
           <a:p>
-            <a:r>
-              <a:rPr lang="en-US" dirty="0"/>
-              <a:t>How calculate.</a:t>
-            </a:r>
-          </a:p>
-          <a:p>
-            <a:r>
-              <a:rPr lang="en-US" dirty="0"/>
-              <a:t>How run simulation.</a:t>
-            </a:r>
+            <a:endParaRPr lang="en-US" dirty="0"/>
           </a:p>
         </p:txBody>
       </p:sp>
@@ -11279,10 +11895,508 @@
       </p:sp>
       <p:sp>
         <p:nvSpPr>
-          <p:cNvPr id="4" name="TextBox 3">
+          <p:cNvPr id="6" name="Rectangle 5">
             <a:extLst>
               <a:ext uri="{FF2B5EF4-FFF2-40B4-BE49-F238E27FC236}">
-                <a16:creationId xmlns:a16="http://schemas.microsoft.com/office/drawing/2014/main" id="{EAB298A3-A37B-2A40-AC70-AA64F05AA616}"/>
+                <a16:creationId xmlns:a16="http://schemas.microsoft.com/office/drawing/2014/main" id="{D8FBB6E1-7B88-B44D-A498-F5BDF46C0436}"/>
+              </a:ext>
+            </a:extLst>
+          </p:cNvPr>
+          <p:cNvSpPr/>
+          <p:nvPr/>
+        </p:nvSpPr>
+        <p:spPr>
+          <a:xfrm>
+            <a:off x="750164" y="1127137"/>
+            <a:ext cx="2286000" cy="1015663"/>
+          </a:xfrm>
+          <a:prstGeom prst="rect">
+            <a:avLst/>
+          </a:prstGeom>
+          <a:solidFill>
+            <a:schemeClr val="bg1">
+              <a:lumMod val="95000"/>
+            </a:schemeClr>
+          </a:solidFill>
+        </p:spPr>
+        <p:txBody>
+          <a:bodyPr wrap="square">
+            <a:spAutoFit/>
+          </a:bodyPr>
+          <a:lstStyle/>
+          <a:p>
+            <a:r>
+              <a:rPr lang="en-US" sz="1200" dirty="0">
+                <a:solidFill>
+                  <a:srgbClr val="222222"/>
+                </a:solidFill>
+                <a:latin typeface="Courier New" panose="02070309020205020404" pitchFamily="49" charset="0"/>
+                <a:cs typeface="Courier New" panose="02070309020205020404" pitchFamily="49" charset="0"/>
+              </a:rPr>
+              <a:t>J1: $S1 -&gt; S2; k1*$S1</a:t>
+            </a:r>
+            <a:br>
+              <a:rPr lang="en-US" sz="1200" dirty="0">
+                <a:latin typeface="Courier New" panose="02070309020205020404" pitchFamily="49" charset="0"/>
+                <a:cs typeface="Courier New" panose="02070309020205020404" pitchFamily="49" charset="0"/>
+              </a:rPr>
+            </a:br>
+            <a:r>
+              <a:rPr lang="en-US" sz="1200" dirty="0">
+                <a:solidFill>
+                  <a:srgbClr val="222222"/>
+                </a:solidFill>
+                <a:latin typeface="Courier New" panose="02070309020205020404" pitchFamily="49" charset="0"/>
+                <a:cs typeface="Courier New" panose="02070309020205020404" pitchFamily="49" charset="0"/>
+              </a:rPr>
+              <a:t>J2: S2 -&gt; S3; k2*S2</a:t>
+            </a:r>
+            <a:br>
+              <a:rPr lang="en-US" sz="1200" dirty="0"/>
+            </a:br>
+            <a:br>
+              <a:rPr lang="en-US" sz="1200" dirty="0"/>
+            </a:br>
+            <a:r>
+              <a:rPr lang="en-US" sz="1200" dirty="0">
+                <a:latin typeface="Courier New" panose="02070309020205020404" pitchFamily="49" charset="0"/>
+                <a:cs typeface="Courier New" panose="02070309020205020404" pitchFamily="49" charset="0"/>
+                <a:sym typeface="Wingdings" pitchFamily="2" charset="2"/>
+              </a:rPr>
+              <a:t>k1=2; k2=0.5</a:t>
+            </a:r>
+          </a:p>
+          <a:p>
+            <a:r>
+              <a:rPr lang="en-US" sz="1200" dirty="0">
+                <a:latin typeface="Courier New" panose="02070309020205020404" pitchFamily="49" charset="0"/>
+                <a:cs typeface="Courier New" panose="02070309020205020404" pitchFamily="49" charset="0"/>
+              </a:rPr>
+              <a:t>$S1=10; S2=0; S3=0</a:t>
+            </a:r>
+            <a:endParaRPr lang="en-US" sz="1200" dirty="0">
+              <a:solidFill>
+                <a:srgbClr val="222222"/>
+              </a:solidFill>
+              <a:latin typeface="Courier New" panose="02070309020205020404" pitchFamily="49" charset="0"/>
+              <a:cs typeface="Courier New" panose="02070309020205020404" pitchFamily="49" charset="0"/>
+            </a:endParaRPr>
+          </a:p>
+        </p:txBody>
+      </p:sp>
+      <p:pic>
+        <p:nvPicPr>
+          <p:cNvPr id="8" name="Picture 7" descr="Chart, line chart&#10;&#10;Description automatically generated">
+            <a:extLst>
+              <a:ext uri="{FF2B5EF4-FFF2-40B4-BE49-F238E27FC236}">
+                <a16:creationId xmlns:a16="http://schemas.microsoft.com/office/drawing/2014/main" id="{310C5CD7-CFA7-2F46-8361-2FF45AD86233}"/>
+              </a:ext>
+            </a:extLst>
+          </p:cNvPr>
+          <p:cNvPicPr>
+            <a:picLocks noChangeAspect="1"/>
+          </p:cNvPicPr>
+          <p:nvPr/>
+        </p:nvPicPr>
+        <p:blipFill>
+          <a:blip r:embed="rId2"/>
+          <a:stretch>
+            <a:fillRect/>
+          </a:stretch>
+        </p:blipFill>
+        <p:spPr>
+          <a:xfrm>
+            <a:off x="4224689" y="889985"/>
+            <a:ext cx="2195221" cy="1489969"/>
+          </a:xfrm>
+          <a:prstGeom prst="rect">
+            <a:avLst/>
+          </a:prstGeom>
+        </p:spPr>
+      </p:pic>
+      <mc:AlternateContent xmlns:mc="http://schemas.openxmlformats.org/markup-compatibility/2006">
+        <mc:Choice xmlns:a14="http://schemas.microsoft.com/office/drawing/2010/main" Requires="a14">
+          <p:sp>
+            <p:nvSpPr>
+              <p:cNvPr id="9" name="TextBox 8">
+                <a:extLst>
+                  <a:ext uri="{FF2B5EF4-FFF2-40B4-BE49-F238E27FC236}">
+                    <a16:creationId xmlns:a16="http://schemas.microsoft.com/office/drawing/2014/main" id="{73FBAACA-7864-6D4C-897E-BA269BA079F0}"/>
+                  </a:ext>
+                </a:extLst>
+              </p:cNvPr>
+              <p:cNvSpPr txBox="1"/>
+              <p:nvPr/>
+            </p:nvSpPr>
+            <p:spPr>
+              <a:xfrm>
+                <a:off x="430349" y="2656317"/>
+                <a:ext cx="7972148" cy="1358000"/>
+              </a:xfrm>
+              <a:prstGeom prst="rect">
+                <a:avLst/>
+              </a:prstGeom>
+              <a:noFill/>
+            </p:spPr>
+            <p:txBody>
+              <a:bodyPr wrap="square" rtlCol="0">
+                <a:spAutoFit/>
+              </a:bodyPr>
+              <a:lstStyle/>
+              <a:p>
+                <a:r>
+                  <a:rPr lang="en-US" dirty="0"/>
+                  <a:t>The unit step response is a signal that has unit height starting at time 0. The final value is calculated as </a:t>
+                </a:r>
+                <a14:m>
+                  <m:oMath xmlns:m="http://schemas.openxmlformats.org/officeDocument/2006/math">
+                    <m:func>
+                      <m:funcPr>
+                        <m:ctrlPr>
+                          <a:rPr lang="en-US" b="0" i="1" smtClean="0">
+                            <a:latin typeface="Cambria Math" panose="02040503050406030204" pitchFamily="18" charset="0"/>
+                          </a:rPr>
+                        </m:ctrlPr>
+                      </m:funcPr>
+                      <m:fName>
+                        <m:limLow>
+                          <m:limLowPr>
+                            <m:ctrlPr>
+                              <a:rPr lang="en-US" b="0" i="1" smtClean="0">
+                                <a:latin typeface="Cambria Math" panose="02040503050406030204" pitchFamily="18" charset="0"/>
+                              </a:rPr>
+                            </m:ctrlPr>
+                          </m:limLowPr>
+                          <m:e>
+                            <m:r>
+                              <m:rPr>
+                                <m:sty m:val="p"/>
+                              </m:rPr>
+                              <a:rPr lang="en-US" b="0" i="0" smtClean="0">
+                                <a:latin typeface="Cambria Math" panose="02040503050406030204" pitchFamily="18" charset="0"/>
+                              </a:rPr>
+                              <m:t>lim</m:t>
+                            </m:r>
+                          </m:e>
+                          <m:lim>
+                            <m:r>
+                              <a:rPr lang="en-US" b="0" i="1" smtClean="0">
+                                <a:latin typeface="Cambria Math" panose="02040503050406030204" pitchFamily="18" charset="0"/>
+                              </a:rPr>
+                              <m:t>𝑠</m:t>
+                            </m:r>
+                            <m:r>
+                              <a:rPr lang="en-US" b="0" i="1" smtClean="0">
+                                <a:latin typeface="Cambria Math" panose="02040503050406030204" pitchFamily="18" charset="0"/>
+                              </a:rPr>
+                              <m:t>→0</m:t>
+                            </m:r>
+                          </m:lim>
+                        </m:limLow>
+                      </m:fName>
+                      <m:e>
+                        <m:r>
+                          <a:rPr lang="en-US" b="0" i="1" smtClean="0">
+                            <a:latin typeface="Cambria Math" panose="02040503050406030204" pitchFamily="18" charset="0"/>
+                          </a:rPr>
+                          <m:t>𝐺</m:t>
+                        </m:r>
+                        <m:r>
+                          <a:rPr lang="en-US" b="0" i="1" smtClean="0">
+                            <a:latin typeface="Cambria Math" panose="02040503050406030204" pitchFamily="18" charset="0"/>
+                          </a:rPr>
+                          <m:t>(</m:t>
+                        </m:r>
+                        <m:r>
+                          <a:rPr lang="en-US" b="0" i="1" smtClean="0">
+                            <a:latin typeface="Cambria Math" panose="02040503050406030204" pitchFamily="18" charset="0"/>
+                          </a:rPr>
+                          <m:t>𝑠</m:t>
+                        </m:r>
+                        <m:r>
+                          <a:rPr lang="en-US" b="0" i="1" smtClean="0">
+                            <a:latin typeface="Cambria Math" panose="02040503050406030204" pitchFamily="18" charset="0"/>
+                          </a:rPr>
+                          <m:t>)</m:t>
+                        </m:r>
+                      </m:e>
+                    </m:func>
+                    <m:r>
+                      <a:rPr lang="en-US" b="0" i="1" smtClean="0">
+                        <a:latin typeface="Cambria Math" panose="02040503050406030204" pitchFamily="18" charset="0"/>
+                      </a:rPr>
+                      <m:t>.</m:t>
+                    </m:r>
+                  </m:oMath>
+                </a14:m>
+                <a:r>
+                  <a:rPr lang="en-US" dirty="0"/>
+                  <a:t> For the example above, the step is of size 10 and so we have </a:t>
+                </a:r>
+                <a14:m>
+                  <m:oMath xmlns:m="http://schemas.openxmlformats.org/officeDocument/2006/math">
+                    <m:limLow>
+                      <m:limLowPr>
+                        <m:ctrlPr>
+                          <a:rPr lang="en-US" b="0" i="0" smtClean="0">
+                            <a:latin typeface="Cambria Math" panose="02040503050406030204" pitchFamily="18" charset="0"/>
+                          </a:rPr>
+                        </m:ctrlPr>
+                      </m:limLowPr>
+                      <m:e>
+                        <m:r>
+                          <a:rPr lang="en-US" b="0" i="0" smtClean="0">
+                            <a:latin typeface="Cambria Math" panose="02040503050406030204" pitchFamily="18" charset="0"/>
+                          </a:rPr>
+                          <m:t>10</m:t>
+                        </m:r>
+                        <m:r>
+                          <m:rPr>
+                            <m:sty m:val="p"/>
+                          </m:rPr>
+                          <a:rPr lang="en-US" b="0" i="0" smtClean="0">
+                            <a:latin typeface="Cambria Math" panose="02040503050406030204" pitchFamily="18" charset="0"/>
+                          </a:rPr>
+                          <m:t>lim</m:t>
+                        </m:r>
+                      </m:e>
+                      <m:lim>
+                        <m:r>
+                          <a:rPr lang="en-US" b="0" i="1" smtClean="0">
+                            <a:latin typeface="Cambria Math" panose="02040503050406030204" pitchFamily="18" charset="0"/>
+                          </a:rPr>
+                          <m:t>𝑠</m:t>
+                        </m:r>
+                        <m:r>
+                          <a:rPr lang="en-US" b="0" i="1" smtClean="0">
+                            <a:latin typeface="Cambria Math" panose="02040503050406030204" pitchFamily="18" charset="0"/>
+                          </a:rPr>
+                          <m:t>→0</m:t>
+                        </m:r>
+                      </m:lim>
+                    </m:limLow>
+                    <m:r>
+                      <a:rPr lang="en-US" b="0" i="1" smtClean="0">
+                        <a:latin typeface="Cambria Math" panose="02040503050406030204" pitchFamily="18" charset="0"/>
+                      </a:rPr>
+                      <m:t>𝑠</m:t>
+                    </m:r>
+                    <m:f>
+                      <m:fPr>
+                        <m:ctrlPr>
+                          <a:rPr lang="en-US" i="1">
+                            <a:latin typeface="Cambria Math" panose="02040503050406030204" pitchFamily="18" charset="0"/>
+                          </a:rPr>
+                        </m:ctrlPr>
+                      </m:fPr>
+                      <m:num>
+                        <m:sSub>
+                          <m:sSubPr>
+                            <m:ctrlPr>
+                              <a:rPr lang="en-US" i="1">
+                                <a:latin typeface="Cambria Math" panose="02040503050406030204" pitchFamily="18" charset="0"/>
+                              </a:rPr>
+                            </m:ctrlPr>
+                          </m:sSubPr>
+                          <m:e>
+                            <m:r>
+                              <a:rPr lang="en-US" i="1">
+                                <a:latin typeface="Cambria Math" panose="02040503050406030204" pitchFamily="18" charset="0"/>
+                              </a:rPr>
+                              <m:t>𝑘</m:t>
+                            </m:r>
+                          </m:e>
+                          <m:sub>
+                            <m:r>
+                              <a:rPr lang="en-US" i="1">
+                                <a:latin typeface="Cambria Math" panose="02040503050406030204" pitchFamily="18" charset="0"/>
+                              </a:rPr>
+                              <m:t>1</m:t>
+                            </m:r>
+                          </m:sub>
+                        </m:sSub>
+                        <m:sSub>
+                          <m:sSubPr>
+                            <m:ctrlPr>
+                              <a:rPr lang="en-US" i="1">
+                                <a:latin typeface="Cambria Math" panose="02040503050406030204" pitchFamily="18" charset="0"/>
+                              </a:rPr>
+                            </m:ctrlPr>
+                          </m:sSubPr>
+                          <m:e>
+                            <m:r>
+                              <a:rPr lang="en-US" i="1">
+                                <a:latin typeface="Cambria Math" panose="02040503050406030204" pitchFamily="18" charset="0"/>
+                              </a:rPr>
+                              <m:t>𝑘</m:t>
+                            </m:r>
+                          </m:e>
+                          <m:sub>
+                            <m:r>
+                              <a:rPr lang="en-US" i="1">
+                                <a:latin typeface="Cambria Math" panose="02040503050406030204" pitchFamily="18" charset="0"/>
+                              </a:rPr>
+                              <m:t>2</m:t>
+                            </m:r>
+                          </m:sub>
+                        </m:sSub>
+                      </m:num>
+                      <m:den>
+                        <m:r>
+                          <a:rPr lang="en-US" i="1">
+                            <a:latin typeface="Cambria Math" panose="02040503050406030204" pitchFamily="18" charset="0"/>
+                          </a:rPr>
+                          <m:t>𝑠</m:t>
+                        </m:r>
+                        <m:r>
+                          <a:rPr lang="en-US" i="1">
+                            <a:latin typeface="Cambria Math" panose="02040503050406030204" pitchFamily="18" charset="0"/>
+                          </a:rPr>
+                          <m:t>(</m:t>
+                        </m:r>
+                        <m:r>
+                          <a:rPr lang="en-US" i="1">
+                            <a:latin typeface="Cambria Math" panose="02040503050406030204" pitchFamily="18" charset="0"/>
+                          </a:rPr>
+                          <m:t>𝑠</m:t>
+                        </m:r>
+                        <m:r>
+                          <a:rPr lang="en-US" i="1">
+                            <a:latin typeface="Cambria Math" panose="02040503050406030204" pitchFamily="18" charset="0"/>
+                          </a:rPr>
+                          <m:t>+</m:t>
+                        </m:r>
+                        <m:sSub>
+                          <m:sSubPr>
+                            <m:ctrlPr>
+                              <a:rPr lang="en-US" i="1">
+                                <a:latin typeface="Cambria Math" panose="02040503050406030204" pitchFamily="18" charset="0"/>
+                              </a:rPr>
+                            </m:ctrlPr>
+                          </m:sSubPr>
+                          <m:e>
+                            <m:r>
+                              <a:rPr lang="en-US" i="1">
+                                <a:latin typeface="Cambria Math" panose="02040503050406030204" pitchFamily="18" charset="0"/>
+                              </a:rPr>
+                              <m:t>𝑘</m:t>
+                            </m:r>
+                          </m:e>
+                          <m:sub>
+                            <m:r>
+                              <a:rPr lang="en-US" i="1">
+                                <a:latin typeface="Cambria Math" panose="02040503050406030204" pitchFamily="18" charset="0"/>
+                              </a:rPr>
+                              <m:t>2</m:t>
+                            </m:r>
+                          </m:sub>
+                        </m:sSub>
+                        <m:r>
+                          <a:rPr lang="en-US" i="1">
+                            <a:latin typeface="Cambria Math" panose="02040503050406030204" pitchFamily="18" charset="0"/>
+                          </a:rPr>
+                          <m:t>)</m:t>
+                        </m:r>
+                      </m:den>
+                    </m:f>
+                    <m:r>
+                      <a:rPr lang="en-US" b="0" i="1" smtClean="0">
+                        <a:latin typeface="Cambria Math" panose="02040503050406030204" pitchFamily="18" charset="0"/>
+                      </a:rPr>
+                      <m:t>=</m:t>
+                    </m:r>
+                    <m:f>
+                      <m:fPr>
+                        <m:ctrlPr>
+                          <a:rPr lang="en-US" b="0" i="1" smtClean="0">
+                            <a:latin typeface="Cambria Math" panose="02040503050406030204" pitchFamily="18" charset="0"/>
+                          </a:rPr>
+                        </m:ctrlPr>
+                      </m:fPr>
+                      <m:num>
+                        <m:r>
+                          <a:rPr lang="en-US" b="0" i="1" smtClean="0">
+                            <a:latin typeface="Cambria Math" panose="02040503050406030204" pitchFamily="18" charset="0"/>
+                          </a:rPr>
+                          <m:t>1</m:t>
+                        </m:r>
+                      </m:num>
+                      <m:den>
+                        <m:r>
+                          <a:rPr lang="en-US" b="0" i="1" smtClean="0">
+                            <a:latin typeface="Cambria Math" panose="02040503050406030204" pitchFamily="18" charset="0"/>
+                          </a:rPr>
+                          <m:t>0</m:t>
+                        </m:r>
+                      </m:den>
+                    </m:f>
+                    <m:r>
+                      <a:rPr lang="en-US" b="0" i="1" smtClean="0">
+                        <a:latin typeface="Cambria Math" panose="02040503050406030204" pitchFamily="18" charset="0"/>
+                      </a:rPr>
+                      <m:t>=∞.</m:t>
+                    </m:r>
+                  </m:oMath>
+                </a14:m>
+                <a:endParaRPr lang="en-US" dirty="0"/>
+              </a:p>
+              <a:p>
+                <a:endParaRPr lang="en-US" dirty="0"/>
+              </a:p>
+            </p:txBody>
+          </p:sp>
+        </mc:Choice>
+        <mc:Fallback>
+          <p:sp>
+            <p:nvSpPr>
+              <p:cNvPr id="9" name="TextBox 8">
+                <a:extLst>
+                  <a:ext uri="{FF2B5EF4-FFF2-40B4-BE49-F238E27FC236}">
+                    <a16:creationId xmlns:a16="http://schemas.microsoft.com/office/drawing/2014/main" id="{73FBAACA-7864-6D4C-897E-BA269BA079F0}"/>
+                  </a:ext>
+                </a:extLst>
+              </p:cNvPr>
+              <p:cNvSpPr txBox="1">
+                <a:spLocks noRot="1" noChangeAspect="1" noMove="1" noResize="1" noEditPoints="1" noAdjustHandles="1" noChangeArrowheads="1" noChangeShapeType="1" noTextEdit="1"/>
+              </p:cNvSpPr>
+              <p:nvPr/>
+            </p:nvSpPr>
+            <p:spPr>
+              <a:xfrm>
+                <a:off x="430349" y="2656317"/>
+                <a:ext cx="7972148" cy="1358000"/>
+              </a:xfrm>
+              <a:prstGeom prst="rect">
+                <a:avLst/>
+              </a:prstGeom>
+              <a:blipFill>
+                <a:blip r:embed="rId3"/>
+                <a:stretch>
+                  <a:fillRect l="-796" t="-2778" r="-1115"/>
+                </a:stretch>
+              </a:blipFill>
+            </p:spPr>
+            <p:txBody>
+              <a:bodyPr/>
+              <a:lstStyle/>
+              <a:p>
+                <a:r>
+                  <a:rPr lang="en-US">
+                    <a:noFill/>
+                  </a:rPr>
+                  <a:t> </a:t>
+                </a:r>
+              </a:p>
+            </p:txBody>
+          </p:sp>
+        </mc:Fallback>
+      </mc:AlternateContent>
+      <p:sp>
+        <p:nvSpPr>
+          <p:cNvPr id="10" name="TextBox 9">
+            <a:extLst>
+              <a:ext uri="{FF2B5EF4-FFF2-40B4-BE49-F238E27FC236}">
+                <a16:creationId xmlns:a16="http://schemas.microsoft.com/office/drawing/2014/main" id="{DA5E731A-17CC-7C43-8E4C-C47FCB6035CA}"/>
               </a:ext>
             </a:extLst>
           </p:cNvPr>
@@ -11291,8 +12405,8 @@
         </p:nvSpPr>
         <p:spPr>
           <a:xfrm>
-            <a:off x="1233996" y="1864311"/>
-            <a:ext cx="2210862" cy="923330"/>
+            <a:off x="332695" y="3801536"/>
+            <a:ext cx="7972148" cy="2862322"/>
           </a:xfrm>
           <a:prstGeom prst="rect">
             <a:avLst/>
@@ -11300,27 +12414,78 @@
           <a:noFill/>
         </p:spPr>
         <p:txBody>
-          <a:bodyPr wrap="none" rtlCol="0">
+          <a:bodyPr wrap="square" rtlCol="0">
             <a:spAutoFit/>
           </a:bodyPr>
           <a:lstStyle/>
           <a:p>
             <a:r>
               <a:rPr lang="en-US" dirty="0"/>
-              <a:t>What it is.</a:t>
+              <a:t>The step response provides insight into controllability, how the input affects the output. Consider the following three possibilities for the step response:</a:t>
             </a:r>
           </a:p>
           <a:p>
+            <a:pPr marL="285750" indent="-285750">
+              <a:buFont typeface="Arial" panose="020B0604020202020204" pitchFamily="34" charset="0"/>
+              <a:buChar char="•"/>
+            </a:pPr>
             <a:r>
               <a:rPr lang="en-US" dirty="0"/>
-              <a:t>How calculate.</a:t>
+              <a:t>0: The input has no control over the output</a:t>
             </a:r>
           </a:p>
           <a:p>
+            <a:pPr marL="285750" indent="-285750">
+              <a:buFont typeface="Arial" panose="020B0604020202020204" pitchFamily="34" charset="0"/>
+              <a:buChar char="•"/>
+            </a:pPr>
             <a:r>
               <a:rPr lang="en-US" dirty="0"/>
-              <a:t>How run simulation.</a:t>
+              <a:t>&lt;0: Our algorithm for controlling the output must </a:t>
             </a:r>
+            <a:r>
+              <a:rPr lang="en-US" i="1" dirty="0"/>
+              <a:t>decrease</a:t>
+            </a:r>
+            <a:r>
+              <a:rPr lang="en-US" dirty="0"/>
+              <a:t> the input if the output is too large.</a:t>
+            </a:r>
+          </a:p>
+          <a:p>
+            <a:pPr marL="285750" indent="-285750">
+              <a:buFont typeface="Arial" panose="020B0604020202020204" pitchFamily="34" charset="0"/>
+              <a:buChar char="•"/>
+            </a:pPr>
+            <a:r>
+              <a:rPr lang="en-US" dirty="0"/>
+              <a:t>&gt;0: Our algorithm for controlling the output must </a:t>
+            </a:r>
+            <a:r>
+              <a:rPr lang="en-US" i="1" dirty="0"/>
+              <a:t>increase</a:t>
+            </a:r>
+            <a:r>
+              <a:rPr lang="en-US" dirty="0"/>
+              <a:t> the input if the output is too large.</a:t>
+            </a:r>
+          </a:p>
+          <a:p>
+            <a:pPr marL="285750" indent="-285750">
+              <a:buFont typeface="Arial" panose="020B0604020202020204" pitchFamily="34" charset="0"/>
+              <a:buChar char="•"/>
+            </a:pPr>
+            <a:endParaRPr lang="en-US" dirty="0"/>
+          </a:p>
+          <a:p>
+            <a:pPr marL="285750" indent="-285750">
+              <a:buFont typeface="Arial" panose="020B0604020202020204" pitchFamily="34" charset="0"/>
+              <a:buChar char="•"/>
+            </a:pPr>
+            <a:endParaRPr lang="en-US" dirty="0"/>
+          </a:p>
+          <a:p>
+            <a:endParaRPr lang="en-US" dirty="0"/>
           </a:p>
         </p:txBody>
       </p:sp>
